--- a/Background/Dashboard Background.pptx
+++ b/Background/Dashboard Background.pptx
@@ -197,7 +197,7 @@
           <a:p>
             <a:fld id="{A1C74177-9F79-45CE-8E60-05E195EBE57B}" type="datetimeFigureOut">
               <a:rPr lang="en-IN" smtClean="0"/>
-              <a:t>12-12-2025</a:t>
+              <a:t>16-12-2025</a:t>
             </a:fld>
             <a:endParaRPr lang="en-IN"/>
           </a:p>
@@ -614,7 +614,7 @@
           <a:p>
             <a:fld id="{BF3ED1A2-5468-4756-B6EB-F4EC60AB2F8C}" type="datetimeFigureOut">
               <a:rPr lang="en-IN" smtClean="0"/>
-              <a:t>12-12-2025</a:t>
+              <a:t>16-12-2025</a:t>
             </a:fld>
             <a:endParaRPr lang="en-IN"/>
           </a:p>
@@ -814,7 +814,7 @@
           <a:p>
             <a:fld id="{BF3ED1A2-5468-4756-B6EB-F4EC60AB2F8C}" type="datetimeFigureOut">
               <a:rPr lang="en-IN" smtClean="0"/>
-              <a:t>12-12-2025</a:t>
+              <a:t>16-12-2025</a:t>
             </a:fld>
             <a:endParaRPr lang="en-IN"/>
           </a:p>
@@ -1024,7 +1024,7 @@
           <a:p>
             <a:fld id="{BF3ED1A2-5468-4756-B6EB-F4EC60AB2F8C}" type="datetimeFigureOut">
               <a:rPr lang="en-IN" smtClean="0"/>
-              <a:t>12-12-2025</a:t>
+              <a:t>16-12-2025</a:t>
             </a:fld>
             <a:endParaRPr lang="en-IN"/>
           </a:p>
@@ -1224,7 +1224,7 @@
           <a:p>
             <a:fld id="{BF3ED1A2-5468-4756-B6EB-F4EC60AB2F8C}" type="datetimeFigureOut">
               <a:rPr lang="en-IN" smtClean="0"/>
-              <a:t>12-12-2025</a:t>
+              <a:t>16-12-2025</a:t>
             </a:fld>
             <a:endParaRPr lang="en-IN"/>
           </a:p>
@@ -1500,7 +1500,7 @@
           <a:p>
             <a:fld id="{BF3ED1A2-5468-4756-B6EB-F4EC60AB2F8C}" type="datetimeFigureOut">
               <a:rPr lang="en-IN" smtClean="0"/>
-              <a:t>12-12-2025</a:t>
+              <a:t>16-12-2025</a:t>
             </a:fld>
             <a:endParaRPr lang="en-IN"/>
           </a:p>
@@ -1768,7 +1768,7 @@
           <a:p>
             <a:fld id="{BF3ED1A2-5468-4756-B6EB-F4EC60AB2F8C}" type="datetimeFigureOut">
               <a:rPr lang="en-IN" smtClean="0"/>
-              <a:t>12-12-2025</a:t>
+              <a:t>16-12-2025</a:t>
             </a:fld>
             <a:endParaRPr lang="en-IN"/>
           </a:p>
@@ -2183,7 +2183,7 @@
           <a:p>
             <a:fld id="{BF3ED1A2-5468-4756-B6EB-F4EC60AB2F8C}" type="datetimeFigureOut">
               <a:rPr lang="en-IN" smtClean="0"/>
-              <a:t>12-12-2025</a:t>
+              <a:t>16-12-2025</a:t>
             </a:fld>
             <a:endParaRPr lang="en-IN"/>
           </a:p>
@@ -2325,7 +2325,7 @@
           <a:p>
             <a:fld id="{BF3ED1A2-5468-4756-B6EB-F4EC60AB2F8C}" type="datetimeFigureOut">
               <a:rPr lang="en-IN" smtClean="0"/>
-              <a:t>12-12-2025</a:t>
+              <a:t>16-12-2025</a:t>
             </a:fld>
             <a:endParaRPr lang="en-IN"/>
           </a:p>
@@ -2438,7 +2438,7 @@
           <a:p>
             <a:fld id="{BF3ED1A2-5468-4756-B6EB-F4EC60AB2F8C}" type="datetimeFigureOut">
               <a:rPr lang="en-IN" smtClean="0"/>
-              <a:t>12-12-2025</a:t>
+              <a:t>16-12-2025</a:t>
             </a:fld>
             <a:endParaRPr lang="en-IN"/>
           </a:p>
@@ -2751,7 +2751,7 @@
           <a:p>
             <a:fld id="{BF3ED1A2-5468-4756-B6EB-F4EC60AB2F8C}" type="datetimeFigureOut">
               <a:rPr lang="en-IN" smtClean="0"/>
-              <a:t>12-12-2025</a:t>
+              <a:t>16-12-2025</a:t>
             </a:fld>
             <a:endParaRPr lang="en-IN"/>
           </a:p>
@@ -3040,7 +3040,7 @@
           <a:p>
             <a:fld id="{BF3ED1A2-5468-4756-B6EB-F4EC60AB2F8C}" type="datetimeFigureOut">
               <a:rPr lang="en-IN" smtClean="0"/>
-              <a:t>12-12-2025</a:t>
+              <a:t>16-12-2025</a:t>
             </a:fld>
             <a:endParaRPr lang="en-IN"/>
           </a:p>
@@ -3283,7 +3283,7 @@
           <a:p>
             <a:fld id="{BF3ED1A2-5468-4756-B6EB-F4EC60AB2F8C}" type="datetimeFigureOut">
               <a:rPr lang="en-IN" smtClean="0"/>
-              <a:t>12-12-2025</a:t>
+              <a:t>16-12-2025</a:t>
             </a:fld>
             <a:endParaRPr lang="en-IN"/>
           </a:p>
@@ -4851,7 +4851,7 @@
         </p:nvSpPr>
         <p:spPr>
           <a:xfrm>
-            <a:off x="9110226" y="4844620"/>
+            <a:off x="9089432" y="4872399"/>
             <a:ext cx="1495184" cy="276999"/>
           </a:xfrm>
           <a:prstGeom prst="rect">
@@ -4926,7 +4926,7 @@
         </p:nvSpPr>
         <p:spPr>
           <a:xfrm>
-            <a:off x="8029464" y="4854303"/>
+            <a:off x="8120058" y="4870471"/>
             <a:ext cx="800532" cy="276999"/>
           </a:xfrm>
           <a:prstGeom prst="rect">
@@ -4963,8 +4963,8 @@
         </p:nvSpPr>
         <p:spPr>
           <a:xfrm>
-            <a:off x="1373732" y="4972361"/>
-            <a:ext cx="5820284" cy="387055"/>
+            <a:off x="1373732" y="4972362"/>
+            <a:ext cx="5820284" cy="263314"/>
           </a:xfrm>
           <a:prstGeom prst="roundRect">
             <a:avLst/>
@@ -5028,7 +5028,7 @@
         </p:blipFill>
         <p:spPr>
           <a:xfrm>
-            <a:off x="1540575" y="5079235"/>
+            <a:off x="1539325" y="5012550"/>
             <a:ext cx="189724" cy="189724"/>
           </a:xfrm>
           <a:prstGeom prst="rect">
@@ -5064,7 +5064,7 @@
         </p:blipFill>
         <p:spPr>
           <a:xfrm>
-            <a:off x="5596549" y="5058392"/>
+            <a:off x="5592262" y="4996524"/>
             <a:ext cx="214990" cy="214990"/>
           </a:xfrm>
           <a:prstGeom prst="rect">
@@ -5100,7 +5100,7 @@
         </p:blipFill>
         <p:spPr>
           <a:xfrm>
-            <a:off x="3520229" y="5033400"/>
+            <a:off x="3519854" y="4972362"/>
             <a:ext cx="288114" cy="288114"/>
           </a:xfrm>
           <a:prstGeom prst="rect">
@@ -5122,7 +5122,7 @@
         </p:nvSpPr>
         <p:spPr>
           <a:xfrm>
-            <a:off x="2010529" y="5042253"/>
+            <a:off x="2007956" y="4967694"/>
             <a:ext cx="1365080" cy="276999"/>
           </a:xfrm>
           <a:prstGeom prst="rect">
@@ -5159,7 +5159,7 @@
         </p:nvSpPr>
         <p:spPr>
           <a:xfrm>
-            <a:off x="4053756" y="5038451"/>
+            <a:off x="4051183" y="4967694"/>
             <a:ext cx="1250951" cy="276999"/>
           </a:xfrm>
           <a:prstGeom prst="rect">
@@ -5243,7 +5243,7 @@
         </p:nvSpPr>
         <p:spPr>
           <a:xfrm>
-            <a:off x="6174571" y="5027388"/>
+            <a:off x="6171998" y="4967694"/>
             <a:ext cx="1075623" cy="276999"/>
           </a:xfrm>
           <a:prstGeom prst="rect">
